--- a/Draft_Sketch.pptx
+++ b/Draft_Sketch.pptx
@@ -6,6 +6,7 @@
   </p:sldMasterIdLst>
   <p:sldIdLst>
     <p:sldId id="257" r:id="rId2"/>
+    <p:sldId id="261" r:id="rId3"/>
   </p:sldIdLst>
   <p:sldSz cx="12192000" cy="6858000"/>
   <p:notesSz cx="6858000" cy="9144000"/>
@@ -357,11 +358,11 @@
         </c:dLbls>
         <c:gapWidth val="219"/>
         <c:overlap val="-27"/>
-        <c:axId val="-2080193696"/>
-        <c:axId val="-2052798496"/>
+        <c:axId val="-2015292064"/>
+        <c:axId val="-2127936688"/>
       </c:barChart>
       <c:catAx>
-        <c:axId val="-2080193696"/>
+        <c:axId val="-2015292064"/>
         <c:scaling>
           <c:orientation val="minMax"/>
         </c:scaling>
@@ -404,7 +405,7 @@
             <a:endParaRPr lang="en-US"/>
           </a:p>
         </c:txPr>
-        <c:crossAx val="-2052798496"/>
+        <c:crossAx val="-2127936688"/>
         <c:crosses val="autoZero"/>
         <c:auto val="1"/>
         <c:lblAlgn val="ctr"/>
@@ -412,7 +413,7 @@
         <c:noMultiLvlLbl val="0"/>
       </c:catAx>
       <c:valAx>
-        <c:axId val="-2052798496"/>
+        <c:axId val="-2127936688"/>
         <c:scaling>
           <c:orientation val="minMax"/>
         </c:scaling>
@@ -520,7 +521,7 @@
             <a:endParaRPr lang="en-US"/>
           </a:p>
         </c:txPr>
-        <c:crossAx val="-2080193696"/>
+        <c:crossAx val="-2015292064"/>
         <c:crosses val="autoZero"/>
         <c:crossBetween val="between"/>
       </c:valAx>
@@ -678,7 +679,7 @@
               <c:strCache>
                 <c:ptCount val="1"/>
                 <c:pt idx="0">
-                  <c:v>asd</c:v>
+                  <c:v>Yes</c:v>
                 </c:pt>
               </c:strCache>
             </c:strRef>
@@ -732,7 +733,7 @@
               <c:strCache>
                 <c:ptCount val="1"/>
                 <c:pt idx="0">
-                  <c:v>Female</c:v>
+                  <c:v>No</c:v>
                 </c:pt>
               </c:strCache>
             </c:strRef>
@@ -787,11 +788,11 @@
         </c:dLbls>
         <c:gapWidth val="219"/>
         <c:overlap val="-27"/>
-        <c:axId val="-2036732784"/>
-        <c:axId val="-2036731328"/>
+        <c:axId val="-1991486272"/>
+        <c:axId val="-1990541152"/>
       </c:barChart>
       <c:catAx>
-        <c:axId val="-2036732784"/>
+        <c:axId val="-1991486272"/>
         <c:scaling>
           <c:orientation val="minMax"/>
         </c:scaling>
@@ -834,7 +835,7 @@
             <a:endParaRPr lang="en-US"/>
           </a:p>
         </c:txPr>
-        <c:crossAx val="-2036731328"/>
+        <c:crossAx val="-1990541152"/>
         <c:crosses val="autoZero"/>
         <c:auto val="1"/>
         <c:lblAlgn val="ctr"/>
@@ -842,7 +843,7 @@
         <c:noMultiLvlLbl val="0"/>
       </c:catAx>
       <c:valAx>
-        <c:axId val="-2036731328"/>
+        <c:axId val="-1990541152"/>
         <c:scaling>
           <c:orientation val="minMax"/>
         </c:scaling>
@@ -950,7 +951,7 @@
             <a:endParaRPr lang="en-US"/>
           </a:p>
         </c:txPr>
-        <c:crossAx val="-2036732784"/>
+        <c:crossAx val="-1991486272"/>
         <c:crosses val="autoZero"/>
         <c:crossBetween val="between"/>
       </c:valAx>
@@ -1217,11 +1218,11 @@
         </c:dLbls>
         <c:gapWidth val="150"/>
         <c:overlap val="100"/>
-        <c:axId val="-2082394800"/>
-        <c:axId val="-2030155968"/>
+        <c:axId val="-2021488976"/>
+        <c:axId val="-2038401328"/>
       </c:barChart>
       <c:catAx>
-        <c:axId val="-2082394800"/>
+        <c:axId val="-2021488976"/>
         <c:scaling>
           <c:orientation val="minMax"/>
         </c:scaling>
@@ -1264,7 +1265,7 @@
             <a:endParaRPr lang="en-US"/>
           </a:p>
         </c:txPr>
-        <c:crossAx val="-2030155968"/>
+        <c:crossAx val="-2038401328"/>
         <c:crosses val="autoZero"/>
         <c:auto val="1"/>
         <c:lblAlgn val="ctr"/>
@@ -1272,7 +1273,7 @@
         <c:noMultiLvlLbl val="0"/>
       </c:catAx>
       <c:valAx>
-        <c:axId val="-2030155968"/>
+        <c:axId val="-2038401328"/>
         <c:scaling>
           <c:orientation val="minMax"/>
         </c:scaling>
@@ -1380,7 +1381,7 @@
             <a:endParaRPr lang="en-US"/>
           </a:p>
         </c:txPr>
-        <c:crossAx val="-2082394800"/>
+        <c:crossAx val="-2021488976"/>
         <c:crosses val="autoZero"/>
         <c:crossBetween val="between"/>
       </c:valAx>
@@ -1748,11 +1749,11 @@
           <c:showBubbleSize val="0"/>
         </c:dLbls>
         <c:smooth val="0"/>
-        <c:axId val="-2037556912"/>
-        <c:axId val="-2037993808"/>
+        <c:axId val="-1992145360"/>
+        <c:axId val="-1990536752"/>
       </c:lineChart>
       <c:catAx>
-        <c:axId val="-2037556912"/>
+        <c:axId val="-1992145360"/>
         <c:scaling>
           <c:orientation val="minMax"/>
         </c:scaling>
@@ -1795,7 +1796,7 @@
             <a:endParaRPr lang="en-US"/>
           </a:p>
         </c:txPr>
-        <c:crossAx val="-2037993808"/>
+        <c:crossAx val="-1990536752"/>
         <c:crosses val="autoZero"/>
         <c:auto val="1"/>
         <c:lblAlgn val="ctr"/>
@@ -1803,7 +1804,7 @@
         <c:noMultiLvlLbl val="0"/>
       </c:catAx>
       <c:valAx>
-        <c:axId val="-2037993808"/>
+        <c:axId val="-1990536752"/>
         <c:scaling>
           <c:orientation val="minMax"/>
         </c:scaling>
@@ -1885,7 +1886,7 @@
             <a:endParaRPr lang="en-US"/>
           </a:p>
         </c:txPr>
-        <c:crossAx val="-2037556912"/>
+        <c:crossAx val="-1992145360"/>
         <c:crosses val="autoZero"/>
         <c:crossBetween val="between"/>
       </c:valAx>
@@ -6988,53 +6989,9 @@
           <a:chExt cx="0" cy="0"/>
         </a:xfrm>
       </p:grpSpPr>
-      <p:graphicFrame>
-        <p:nvGraphicFramePr>
-          <p:cNvPr id="4" name="Chart 3"/>
-          <p:cNvGraphicFramePr/>
-          <p:nvPr>
-            <p:extLst>
-              <p:ext uri="{D42A27DB-BD31-4B8C-83A1-F6EECF244321}">
-                <p14:modId xmlns:p14="http://schemas.microsoft.com/office/powerpoint/2010/main" val="1031207394"/>
-              </p:ext>
-            </p:extLst>
-          </p:nvPr>
-        </p:nvGraphicFramePr>
-        <p:xfrm>
-          <a:off x="2288175" y="876422"/>
-          <a:ext cx="3911237" cy="2937934"/>
-        </p:xfrm>
-        <a:graphic>
-          <a:graphicData uri="http://schemas.openxmlformats.org/drawingml/2006/chart">
-            <c:chart xmlns:c="http://schemas.openxmlformats.org/drawingml/2006/chart" xmlns:r="http://schemas.openxmlformats.org/officeDocument/2006/relationships" r:id="rId2"/>
-          </a:graphicData>
-        </a:graphic>
-      </p:graphicFrame>
-      <p:graphicFrame>
-        <p:nvGraphicFramePr>
-          <p:cNvPr id="7" name="Chart 6"/>
-          <p:cNvGraphicFramePr/>
-          <p:nvPr>
-            <p:extLst>
-              <p:ext uri="{D42A27DB-BD31-4B8C-83A1-F6EECF244321}">
-                <p14:modId xmlns:p14="http://schemas.microsoft.com/office/powerpoint/2010/main" val="457676440"/>
-              </p:ext>
-            </p:extLst>
-          </p:nvPr>
-        </p:nvGraphicFramePr>
-        <p:xfrm>
-          <a:off x="6738514" y="827561"/>
-          <a:ext cx="3931920" cy="2937934"/>
-        </p:xfrm>
-        <a:graphic>
-          <a:graphicData uri="http://schemas.openxmlformats.org/drawingml/2006/chart">
-            <c:chart xmlns:c="http://schemas.openxmlformats.org/drawingml/2006/chart" xmlns:r="http://schemas.openxmlformats.org/officeDocument/2006/relationships" r:id="rId3"/>
-          </a:graphicData>
-        </a:graphic>
-      </p:graphicFrame>
       <p:sp>
         <p:nvSpPr>
-          <p:cNvPr id="8" name="Rectangle 7"/>
+          <p:cNvPr id="36" name="Rectangle 35"/>
           <p:cNvSpPr/>
           <p:nvPr/>
         </p:nvSpPr>
@@ -7047,10 +7004,7 @@
             <a:avLst/>
           </a:prstGeom>
           <a:solidFill>
-            <a:schemeClr val="accent1">
-              <a:lumMod val="40000"/>
-              <a:lumOff val="60000"/>
-            </a:schemeClr>
+            <a:srgbClr val="DEF2F1"/>
           </a:solidFill>
           <a:ln>
             <a:noFill/>
@@ -7077,7 +7031,7 @@
           <a:lstStyle/>
           <a:p>
             <a:pPr algn="ctr"/>
-            <a:endParaRPr lang="en-US"/>
+            <a:endParaRPr lang="en-US" dirty="0"/>
           </a:p>
         </p:txBody>
       </p:sp>
@@ -7089,17 +7043,14 @@
         </p:nvSpPr>
         <p:spPr>
           <a:xfrm>
-            <a:off x="1" y="0"/>
-            <a:ext cx="1717128" cy="6858000"/>
+            <a:off x="1" y="876422"/>
+            <a:ext cx="1749072" cy="5981578"/>
           </a:xfrm>
           <a:prstGeom prst="rect">
             <a:avLst/>
           </a:prstGeom>
           <a:solidFill>
-            <a:schemeClr val="accent5">
-              <a:lumMod val="60000"/>
-              <a:lumOff val="40000"/>
-            </a:schemeClr>
+            <a:srgbClr val="3AAFA9"/>
           </a:solidFill>
           <a:ln>
             <a:noFill/>
@@ -7138,13 +7089,15 @@
         </p:nvSpPr>
         <p:spPr>
           <a:xfrm>
-            <a:off x="19316" y="87411"/>
-            <a:ext cx="1319349" cy="923330"/>
+            <a:off x="0" y="880879"/>
+            <a:ext cx="1749073" cy="400110"/>
           </a:xfrm>
           <a:prstGeom prst="rect">
             <a:avLst/>
           </a:prstGeom>
-          <a:noFill/>
+          <a:solidFill>
+            <a:srgbClr val="2B7A78"/>
+          </a:solidFill>
         </p:spPr>
         <p:txBody>
           <a:bodyPr wrap="square" rtlCol="0">
@@ -7152,24 +7105,39 @@
           </a:bodyPr>
           <a:lstStyle/>
           <a:p>
+            <a:pPr algn="ctr"/>
             <a:r>
-              <a:rPr lang="en-US" dirty="0" smtClean="0"/>
-              <a:t>Mental Health blah (discuss)</a:t>
+              <a:rPr lang="en-US" sz="2000" dirty="0" smtClean="0">
+                <a:solidFill>
+                  <a:schemeClr val="bg1"/>
+                </a:solidFill>
+                <a:latin typeface="Helvetica" charset="0"/>
+                <a:ea typeface="Helvetica" charset="0"/>
+                <a:cs typeface="Helvetica" charset="0"/>
+              </a:rPr>
+              <a:t>Filter by</a:t>
             </a:r>
-            <a:endParaRPr lang="en-US" dirty="0"/>
+            <a:endParaRPr lang="en-US" sz="1200" dirty="0">
+              <a:solidFill>
+                <a:schemeClr val="bg1"/>
+              </a:solidFill>
+              <a:latin typeface="Helvetica" charset="0"/>
+              <a:ea typeface="Helvetica" charset="0"/>
+              <a:cs typeface="Helvetica" charset="0"/>
+            </a:endParaRPr>
           </a:p>
         </p:txBody>
       </p:sp>
       <p:sp>
         <p:nvSpPr>
-          <p:cNvPr id="13" name="TextBox 12"/>
+          <p:cNvPr id="21" name="TextBox 20"/>
           <p:cNvSpPr txBox="1"/>
           <p:nvPr/>
         </p:nvSpPr>
         <p:spPr>
           <a:xfrm>
-            <a:off x="182880" y="1883724"/>
-            <a:ext cx="933717" cy="646331"/>
+            <a:off x="9420275" y="6622868"/>
+            <a:ext cx="2818913" cy="276999"/>
           </a:xfrm>
           <a:prstGeom prst="rect">
             <a:avLst/>
@@ -7183,18 +7151,642 @@
           <a:lstStyle/>
           <a:p>
             <a:r>
-              <a:rPr lang="en-US" dirty="0" smtClean="0"/>
-              <a:t>Filters:</a:t>
+              <a:rPr lang="en-US" sz="1200" smtClean="0"/>
+              <a:t>Note: Actual graphs may not look like this.</a:t>
             </a:r>
-          </a:p>
-          <a:p>
+            <a:endParaRPr lang="en-US" sz="1200"/>
+          </a:p>
+        </p:txBody>
+      </p:sp>
+      <p:pic>
+        <p:nvPicPr>
+          <p:cNvPr id="1028" name="Picture 4" descr="mage result for dropdown noun project"/>
+          <p:cNvPicPr>
+            <a:picLocks noChangeAspect="1" noChangeArrowheads="1"/>
+          </p:cNvPicPr>
+          <p:nvPr/>
+        </p:nvPicPr>
+        <p:blipFill>
+          <a:blip r:embed="rId2">
+            <a:extLst>
+              <a:ext uri="{28A0092B-C50C-407E-A947-70E740481C1C}">
+                <a14:useLocalDpi xmlns:a14="http://schemas.microsoft.com/office/drawing/2010/main" val="0"/>
+              </a:ext>
+            </a:extLst>
+          </a:blip>
+          <a:srcRect/>
+          <a:stretch>
+            <a:fillRect/>
+          </a:stretch>
+        </p:blipFill>
+        <p:spPr bwMode="auto">
+          <a:xfrm>
+            <a:off x="261257" y="4487246"/>
+            <a:ext cx="1163828" cy="1163828"/>
+          </a:xfrm>
+          <a:prstGeom prst="rect">
+            <a:avLst/>
+          </a:prstGeom>
+          <a:noFill/>
+          <a:extLst>
+            <a:ext uri="{909E8E84-426E-40DD-AFC4-6F175D3DCCD1}">
+              <a14:hiddenFill xmlns:a14="http://schemas.microsoft.com/office/drawing/2010/main">
+                <a:solidFill>
+                  <a:srgbClr val="FFFFFF"/>
+                </a:solidFill>
+              </a14:hiddenFill>
+            </a:ext>
+          </a:extLst>
+        </p:spPr>
+      </p:pic>
+      <p:sp>
+        <p:nvSpPr>
+          <p:cNvPr id="25" name="Rectangle 24"/>
+          <p:cNvSpPr/>
+          <p:nvPr/>
+        </p:nvSpPr>
+        <p:spPr>
+          <a:xfrm>
+            <a:off x="156942" y="3800130"/>
+            <a:ext cx="1311578" cy="830997"/>
+          </a:xfrm>
+          <a:prstGeom prst="rect">
+            <a:avLst/>
+          </a:prstGeom>
+        </p:spPr>
+        <p:txBody>
+          <a:bodyPr wrap="none">
+            <a:spAutoFit/>
+          </a:bodyPr>
+          <a:lstStyle/>
+          <a:p>
+            <a:pPr algn="ctr"/>
             <a:r>
-              <a:rPr lang="en-US" dirty="0" smtClean="0"/>
+              <a:rPr lang="en-US" sz="1600" dirty="0" smtClean="0">
+                <a:solidFill>
+                  <a:schemeClr val="bg1"/>
+                </a:solidFill>
+                <a:latin typeface="Helvetica" charset="0"/>
+                <a:ea typeface="Helvetica" charset="0"/>
+                <a:cs typeface="Helvetica" charset="0"/>
+              </a:rPr>
+              <a:t>Personal </a:t>
+            </a:r>
+            <a:br>
+              <a:rPr lang="en-US" sz="1600" dirty="0" smtClean="0">
+                <a:solidFill>
+                  <a:schemeClr val="bg1"/>
+                </a:solidFill>
+                <a:latin typeface="Helvetica" charset="0"/>
+                <a:ea typeface="Helvetica" charset="0"/>
+                <a:cs typeface="Helvetica" charset="0"/>
+              </a:rPr>
+            </a:br>
+            <a:r>
+              <a:rPr lang="en-US" sz="1600" dirty="0" smtClean="0">
+                <a:solidFill>
+                  <a:schemeClr val="bg1"/>
+                </a:solidFill>
+                <a:latin typeface="Helvetica" charset="0"/>
+                <a:ea typeface="Helvetica" charset="0"/>
+                <a:cs typeface="Helvetica" charset="0"/>
+              </a:rPr>
+              <a:t>vs </a:t>
+            </a:r>
+            <a:br>
+              <a:rPr lang="en-US" sz="1600" dirty="0" smtClean="0">
+                <a:solidFill>
+                  <a:schemeClr val="bg1"/>
+                </a:solidFill>
+                <a:latin typeface="Helvetica" charset="0"/>
+                <a:ea typeface="Helvetica" charset="0"/>
+                <a:cs typeface="Helvetica" charset="0"/>
+              </a:rPr>
+            </a:br>
+            <a:r>
+              <a:rPr lang="en-US" sz="1600" dirty="0" smtClean="0">
+                <a:solidFill>
+                  <a:schemeClr val="bg1"/>
+                </a:solidFill>
+                <a:latin typeface="Helvetica" charset="0"/>
+                <a:ea typeface="Helvetica" charset="0"/>
+                <a:cs typeface="Helvetica" charset="0"/>
+              </a:rPr>
+              <a:t>Professional</a:t>
+            </a:r>
+            <a:endParaRPr lang="en-US" sz="1600" dirty="0" smtClean="0">
+              <a:solidFill>
+                <a:schemeClr val="bg1"/>
+              </a:solidFill>
+              <a:latin typeface="Helvetica" charset="0"/>
+              <a:ea typeface="Helvetica" charset="0"/>
+              <a:cs typeface="Helvetica" charset="0"/>
+            </a:endParaRPr>
+          </a:p>
+        </p:txBody>
+      </p:sp>
+      <p:pic>
+        <p:nvPicPr>
+          <p:cNvPr id="28" name="Picture 4" descr="mage result for dropdown noun project"/>
+          <p:cNvPicPr>
+            <a:picLocks noChangeAspect="1" noChangeArrowheads="1"/>
+          </p:cNvPicPr>
+          <p:nvPr/>
+        </p:nvPicPr>
+        <p:blipFill>
+          <a:blip r:embed="rId2">
+            <a:extLst>
+              <a:ext uri="{28A0092B-C50C-407E-A947-70E740481C1C}">
+                <a14:useLocalDpi xmlns:a14="http://schemas.microsoft.com/office/drawing/2010/main" val="0"/>
+              </a:ext>
+            </a:extLst>
+          </a:blip>
+          <a:srcRect/>
+          <a:stretch>
+            <a:fillRect/>
+          </a:stretch>
+        </p:blipFill>
+        <p:spPr bwMode="auto">
+          <a:xfrm>
+            <a:off x="217367" y="2269941"/>
+            <a:ext cx="1163828" cy="1163828"/>
+          </a:xfrm>
+          <a:prstGeom prst="rect">
+            <a:avLst/>
+          </a:prstGeom>
+          <a:noFill/>
+          <a:extLst>
+            <a:ext uri="{909E8E84-426E-40DD-AFC4-6F175D3DCCD1}">
+              <a14:hiddenFill xmlns:a14="http://schemas.microsoft.com/office/drawing/2010/main">
+                <a:solidFill>
+                  <a:srgbClr val="FFFFFF"/>
+                </a:solidFill>
+              </a14:hiddenFill>
+            </a:ext>
+          </a:extLst>
+        </p:spPr>
+      </p:pic>
+      <p:sp>
+        <p:nvSpPr>
+          <p:cNvPr id="26" name="TextBox 25"/>
+          <p:cNvSpPr txBox="1"/>
+          <p:nvPr/>
+        </p:nvSpPr>
+        <p:spPr>
+          <a:xfrm>
+            <a:off x="347875" y="1956673"/>
+            <a:ext cx="902811" cy="338554"/>
+          </a:xfrm>
+          <a:prstGeom prst="rect">
+            <a:avLst/>
+          </a:prstGeom>
+          <a:noFill/>
+        </p:spPr>
+        <p:txBody>
+          <a:bodyPr wrap="none" rtlCol="0">
+            <a:spAutoFit/>
+          </a:bodyPr>
+          <a:lstStyle/>
+          <a:p>
+            <a:r>
+              <a:rPr lang="en-US" sz="1600" dirty="0" smtClean="0">
+                <a:solidFill>
+                  <a:schemeClr val="bg1"/>
+                </a:solidFill>
+                <a:latin typeface="Helvetica" charset="0"/>
+                <a:ea typeface="Helvetica" charset="0"/>
+                <a:cs typeface="Helvetica" charset="0"/>
+              </a:rPr>
               <a:t>Country</a:t>
             </a:r>
+            <a:endParaRPr lang="en-US" dirty="0">
+              <a:solidFill>
+                <a:schemeClr val="bg1"/>
+              </a:solidFill>
+              <a:latin typeface="Helvetica" charset="0"/>
+              <a:ea typeface="Helvetica" charset="0"/>
+              <a:cs typeface="Helvetica" charset="0"/>
+            </a:endParaRPr>
           </a:p>
         </p:txBody>
       </p:sp>
+      <p:pic>
+        <p:nvPicPr>
+          <p:cNvPr id="30" name="Picture 2" descr="mage result for color coded world map"/>
+          <p:cNvPicPr>
+            <a:picLocks noChangeAspect="1" noChangeArrowheads="1"/>
+          </p:cNvPicPr>
+          <p:nvPr/>
+        </p:nvPicPr>
+        <p:blipFill>
+          <a:blip r:embed="rId3">
+            <a:extLst>
+              <a:ext uri="{28A0092B-C50C-407E-A947-70E740481C1C}">
+                <a14:useLocalDpi xmlns:a14="http://schemas.microsoft.com/office/drawing/2010/main" val="0"/>
+              </a:ext>
+            </a:extLst>
+          </a:blip>
+          <a:srcRect/>
+          <a:stretch>
+            <a:fillRect/>
+          </a:stretch>
+        </p:blipFill>
+        <p:spPr bwMode="auto">
+          <a:xfrm>
+            <a:off x="2424158" y="1078657"/>
+            <a:ext cx="9042788" cy="4464877"/>
+          </a:xfrm>
+          <a:prstGeom prst="rect">
+            <a:avLst/>
+          </a:prstGeom>
+          <a:noFill/>
+          <a:extLst>
+            <a:ext uri="{909E8E84-426E-40DD-AFC4-6F175D3DCCD1}">
+              <a14:hiddenFill xmlns:a14="http://schemas.microsoft.com/office/drawing/2010/main">
+                <a:solidFill>
+                  <a:srgbClr val="FFFFFF"/>
+                </a:solidFill>
+              </a14:hiddenFill>
+            </a:ext>
+          </a:extLst>
+        </p:spPr>
+      </p:pic>
+      <p:sp>
+        <p:nvSpPr>
+          <p:cNvPr id="27" name="TextBox 26"/>
+          <p:cNvSpPr txBox="1"/>
+          <p:nvPr/>
+        </p:nvSpPr>
+        <p:spPr>
+          <a:xfrm>
+            <a:off x="2057767" y="207378"/>
+            <a:ext cx="9409179" cy="461665"/>
+          </a:xfrm>
+          <a:prstGeom prst="rect">
+            <a:avLst/>
+          </a:prstGeom>
+          <a:noFill/>
+        </p:spPr>
+        <p:txBody>
+          <a:bodyPr wrap="none" rtlCol="0">
+            <a:spAutoFit/>
+          </a:bodyPr>
+          <a:lstStyle/>
+          <a:p>
+            <a:r>
+              <a:rPr lang="en-US" sz="2400" dirty="0" smtClean="0">
+                <a:latin typeface="Helvetica" charset="0"/>
+                <a:ea typeface="Helvetica" charset="0"/>
+                <a:cs typeface="Helvetica" charset="0"/>
+              </a:rPr>
+              <a:t>World Distribution based on Mental Health </a:t>
+            </a:r>
+            <a:r>
+              <a:rPr lang="en-US" sz="2400" smtClean="0">
+                <a:latin typeface="Helvetica" charset="0"/>
+                <a:ea typeface="Helvetica" charset="0"/>
+                <a:cs typeface="Helvetica" charset="0"/>
+              </a:rPr>
+              <a:t>Treatment Consideration</a:t>
+            </a:r>
+            <a:endParaRPr lang="en-US" sz="2400">
+              <a:latin typeface="Helvetica" charset="0"/>
+              <a:ea typeface="Helvetica" charset="0"/>
+              <a:cs typeface="Helvetica" charset="0"/>
+            </a:endParaRPr>
+          </a:p>
+        </p:txBody>
+      </p:sp>
+      <p:sp>
+        <p:nvSpPr>
+          <p:cNvPr id="31" name="Rectangle 30"/>
+          <p:cNvSpPr/>
+          <p:nvPr/>
+        </p:nvSpPr>
+        <p:spPr>
+          <a:xfrm>
+            <a:off x="4519749" y="5852159"/>
+            <a:ext cx="4846320" cy="287383"/>
+          </a:xfrm>
+          <a:prstGeom prst="rect">
+            <a:avLst/>
+          </a:prstGeom>
+          <a:gradFill flip="none" rotWithShape="1">
+            <a:gsLst>
+              <a:gs pos="66000">
+                <a:srgbClr val="FF0000">
+                  <a:lumMod val="90000"/>
+                  <a:lumOff val="10000"/>
+                </a:srgbClr>
+              </a:gs>
+              <a:gs pos="100000">
+                <a:srgbClr val="FFFF00"/>
+              </a:gs>
+              <a:gs pos="33000">
+                <a:srgbClr val="0070C0">
+                  <a:lumMod val="90000"/>
+                  <a:lumOff val="10000"/>
+                </a:srgbClr>
+              </a:gs>
+              <a:gs pos="0">
+                <a:srgbClr val="00B050"/>
+              </a:gs>
+            </a:gsLst>
+            <a:lin ang="0" scaled="0"/>
+            <a:tileRect/>
+          </a:gradFill>
+        </p:spPr>
+        <p:style>
+          <a:lnRef idx="2">
+            <a:schemeClr val="accent1">
+              <a:shade val="50000"/>
+            </a:schemeClr>
+          </a:lnRef>
+          <a:fillRef idx="1">
+            <a:schemeClr val="accent1"/>
+          </a:fillRef>
+          <a:effectRef idx="0">
+            <a:schemeClr val="accent1"/>
+          </a:effectRef>
+          <a:fontRef idx="minor">
+            <a:schemeClr val="lt1"/>
+          </a:fontRef>
+        </p:style>
+        <p:txBody>
+          <a:bodyPr rtlCol="0" anchor="ctr"/>
+          <a:lstStyle/>
+          <a:p>
+            <a:pPr algn="ctr"/>
+            <a:endParaRPr lang="en-US"/>
+          </a:p>
+        </p:txBody>
+      </p:sp>
+      <p:sp>
+        <p:nvSpPr>
+          <p:cNvPr id="1024" name="TextBox 1023"/>
+          <p:cNvSpPr txBox="1"/>
+          <p:nvPr/>
+        </p:nvSpPr>
+        <p:spPr>
+          <a:xfrm>
+            <a:off x="4368906" y="6263501"/>
+            <a:ext cx="301686" cy="369332"/>
+          </a:xfrm>
+          <a:prstGeom prst="rect">
+            <a:avLst/>
+          </a:prstGeom>
+          <a:noFill/>
+        </p:spPr>
+        <p:txBody>
+          <a:bodyPr wrap="none" rtlCol="0">
+            <a:spAutoFit/>
+          </a:bodyPr>
+          <a:lstStyle/>
+          <a:p>
+            <a:r>
+              <a:rPr lang="en-US" dirty="0"/>
+              <a:t>0</a:t>
+            </a:r>
+          </a:p>
+        </p:txBody>
+      </p:sp>
+      <p:sp>
+        <p:nvSpPr>
+          <p:cNvPr id="35" name="TextBox 34"/>
+          <p:cNvSpPr txBox="1"/>
+          <p:nvPr/>
+        </p:nvSpPr>
+        <p:spPr>
+          <a:xfrm>
+            <a:off x="9098207" y="6253536"/>
+            <a:ext cx="535724" cy="369332"/>
+          </a:xfrm>
+          <a:prstGeom prst="rect">
+            <a:avLst/>
+          </a:prstGeom>
+          <a:noFill/>
+        </p:spPr>
+        <p:txBody>
+          <a:bodyPr wrap="none" rtlCol="0">
+            <a:spAutoFit/>
+          </a:bodyPr>
+          <a:lstStyle/>
+          <a:p>
+            <a:r>
+              <a:rPr lang="en-US" smtClean="0"/>
+              <a:t>100</a:t>
+            </a:r>
+            <a:endParaRPr lang="en-US"/>
+          </a:p>
+        </p:txBody>
+      </p:sp>
+    </p:spTree>
+    <p:extLst>
+      <p:ext uri="{BB962C8B-B14F-4D97-AF65-F5344CB8AC3E}">
+        <p14:creationId xmlns:p14="http://schemas.microsoft.com/office/powerpoint/2010/main" val="700108581"/>
+      </p:ext>
+    </p:extLst>
+  </p:cSld>
+  <p:clrMapOvr>
+    <a:masterClrMapping/>
+  </p:clrMapOvr>
+</p:sld>
+</file>
+
+<file path=ppt/slides/slide2.xml><?xml version="1.0" encoding="utf-8"?>
+<p:sld xmlns:a="http://schemas.openxmlformats.org/drawingml/2006/main" xmlns:r="http://schemas.openxmlformats.org/officeDocument/2006/relationships" xmlns:p="http://schemas.openxmlformats.org/presentationml/2006/main">
+  <p:cSld>
+    <p:spTree>
+      <p:nvGrpSpPr>
+        <p:cNvPr id="1" name=""/>
+        <p:cNvGrpSpPr/>
+        <p:nvPr/>
+      </p:nvGrpSpPr>
+      <p:grpSpPr>
+        <a:xfrm>
+          <a:off x="0" y="0"/>
+          <a:ext cx="0" cy="0"/>
+          <a:chOff x="0" y="0"/>
+          <a:chExt cx="0" cy="0"/>
+        </a:xfrm>
+      </p:grpSpPr>
+      <p:sp>
+        <p:nvSpPr>
+          <p:cNvPr id="20" name="Rectangle 19"/>
+          <p:cNvSpPr/>
+          <p:nvPr/>
+        </p:nvSpPr>
+        <p:spPr>
+          <a:xfrm>
+            <a:off x="0" y="0"/>
+            <a:ext cx="12192000" cy="876422"/>
+          </a:xfrm>
+          <a:prstGeom prst="rect">
+            <a:avLst/>
+          </a:prstGeom>
+          <a:solidFill>
+            <a:srgbClr val="DEF2F1"/>
+          </a:solidFill>
+          <a:ln>
+            <a:noFill/>
+          </a:ln>
+        </p:spPr>
+        <p:style>
+          <a:lnRef idx="2">
+            <a:schemeClr val="accent1">
+              <a:shade val="50000"/>
+            </a:schemeClr>
+          </a:lnRef>
+          <a:fillRef idx="1">
+            <a:schemeClr val="accent1"/>
+          </a:fillRef>
+          <a:effectRef idx="0">
+            <a:schemeClr val="accent1"/>
+          </a:effectRef>
+          <a:fontRef idx="minor">
+            <a:schemeClr val="lt1"/>
+          </a:fontRef>
+        </p:style>
+        <p:txBody>
+          <a:bodyPr rtlCol="0" anchor="ctr"/>
+          <a:lstStyle/>
+          <a:p>
+            <a:pPr algn="ctr"/>
+            <a:endParaRPr lang="en-US" dirty="0"/>
+          </a:p>
+        </p:txBody>
+      </p:sp>
+      <p:sp>
+        <p:nvSpPr>
+          <p:cNvPr id="22" name="Rectangle 21"/>
+          <p:cNvSpPr/>
+          <p:nvPr/>
+        </p:nvSpPr>
+        <p:spPr>
+          <a:xfrm>
+            <a:off x="1" y="876422"/>
+            <a:ext cx="1749072" cy="5981578"/>
+          </a:xfrm>
+          <a:prstGeom prst="rect">
+            <a:avLst/>
+          </a:prstGeom>
+          <a:solidFill>
+            <a:srgbClr val="3AAFA9"/>
+          </a:solidFill>
+          <a:ln>
+            <a:noFill/>
+          </a:ln>
+        </p:spPr>
+        <p:style>
+          <a:lnRef idx="2">
+            <a:schemeClr val="accent1">
+              <a:shade val="50000"/>
+            </a:schemeClr>
+          </a:lnRef>
+          <a:fillRef idx="1">
+            <a:schemeClr val="accent1"/>
+          </a:fillRef>
+          <a:effectRef idx="0">
+            <a:schemeClr val="accent1"/>
+          </a:effectRef>
+          <a:fontRef idx="minor">
+            <a:schemeClr val="lt1"/>
+          </a:fontRef>
+        </p:style>
+        <p:txBody>
+          <a:bodyPr rtlCol="0" anchor="ctr"/>
+          <a:lstStyle/>
+          <a:p>
+            <a:pPr algn="ctr"/>
+            <a:endParaRPr lang="en-US" dirty="0" smtClean="0"/>
+          </a:p>
+        </p:txBody>
+      </p:sp>
+      <p:sp>
+        <p:nvSpPr>
+          <p:cNvPr id="23" name="TextBox 22"/>
+          <p:cNvSpPr txBox="1"/>
+          <p:nvPr/>
+        </p:nvSpPr>
+        <p:spPr>
+          <a:xfrm>
+            <a:off x="0" y="880879"/>
+            <a:ext cx="1749073" cy="400110"/>
+          </a:xfrm>
+          <a:prstGeom prst="rect">
+            <a:avLst/>
+          </a:prstGeom>
+          <a:solidFill>
+            <a:srgbClr val="2B7A78"/>
+          </a:solidFill>
+        </p:spPr>
+        <p:txBody>
+          <a:bodyPr wrap="square" rtlCol="0">
+            <a:spAutoFit/>
+          </a:bodyPr>
+          <a:lstStyle/>
+          <a:p>
+            <a:pPr algn="ctr"/>
+            <a:r>
+              <a:rPr lang="en-US" sz="2000" dirty="0" smtClean="0">
+                <a:solidFill>
+                  <a:schemeClr val="bg1"/>
+                </a:solidFill>
+                <a:latin typeface="Helvetica" charset="0"/>
+                <a:ea typeface="Helvetica" charset="0"/>
+                <a:cs typeface="Helvetica" charset="0"/>
+              </a:rPr>
+              <a:t>Filter by</a:t>
+            </a:r>
+            <a:endParaRPr lang="en-US" sz="1200" dirty="0">
+              <a:solidFill>
+                <a:schemeClr val="bg1"/>
+              </a:solidFill>
+              <a:latin typeface="Helvetica" charset="0"/>
+              <a:ea typeface="Helvetica" charset="0"/>
+              <a:cs typeface="Helvetica" charset="0"/>
+            </a:endParaRPr>
+          </a:p>
+        </p:txBody>
+      </p:sp>
+      <p:graphicFrame>
+        <p:nvGraphicFramePr>
+          <p:cNvPr id="4" name="Chart 3"/>
+          <p:cNvGraphicFramePr/>
+          <p:nvPr/>
+        </p:nvGraphicFramePr>
+        <p:xfrm>
+          <a:off x="2288175" y="876422"/>
+          <a:ext cx="3911237" cy="2937934"/>
+        </p:xfrm>
+        <a:graphic>
+          <a:graphicData uri="http://schemas.openxmlformats.org/drawingml/2006/chart">
+            <c:chart xmlns:c="http://schemas.openxmlformats.org/drawingml/2006/chart" xmlns:r="http://schemas.openxmlformats.org/officeDocument/2006/relationships" r:id="rId2"/>
+          </a:graphicData>
+        </a:graphic>
+      </p:graphicFrame>
+      <p:graphicFrame>
+        <p:nvGraphicFramePr>
+          <p:cNvPr id="7" name="Chart 6"/>
+          <p:cNvGraphicFramePr/>
+          <p:nvPr>
+            <p:extLst>
+              <p:ext uri="{D42A27DB-BD31-4B8C-83A1-F6EECF244321}">
+                <p14:modId xmlns:p14="http://schemas.microsoft.com/office/powerpoint/2010/main" val="1656527645"/>
+              </p:ext>
+            </p:extLst>
+          </p:nvPr>
+        </p:nvGraphicFramePr>
+        <p:xfrm>
+          <a:off x="6738514" y="888323"/>
+          <a:ext cx="3931920" cy="2937934"/>
+        </p:xfrm>
+        <a:graphic>
+          <a:graphicData uri="http://schemas.openxmlformats.org/drawingml/2006/chart">
+            <c:chart xmlns:c="http://schemas.openxmlformats.org/drawingml/2006/chart" xmlns:r="http://schemas.openxmlformats.org/officeDocument/2006/relationships" r:id="rId3"/>
+          </a:graphicData>
+        </a:graphic>
+      </p:graphicFrame>
       <p:pic>
         <p:nvPicPr>
           <p:cNvPr id="1026" name="Picture 2" descr="mage result for scroll bar icon"/>
@@ -7240,13 +7832,7 @@
         <p:nvGraphicFramePr>
           <p:cNvPr id="14" name="Chart 13"/>
           <p:cNvGraphicFramePr/>
-          <p:nvPr>
-            <p:extLst>
-              <p:ext uri="{D42A27DB-BD31-4B8C-83A1-F6EECF244321}">
-                <p14:modId xmlns:p14="http://schemas.microsoft.com/office/powerpoint/2010/main" val="306851320"/>
-              </p:ext>
-            </p:extLst>
-          </p:nvPr>
+          <p:nvPr/>
         </p:nvGraphicFramePr>
         <p:xfrm>
           <a:off x="2372990" y="3696789"/>
@@ -7262,13 +7848,7 @@
         <p:nvGraphicFramePr>
           <p:cNvPr id="15" name="Chart 14"/>
           <p:cNvGraphicFramePr/>
-          <p:nvPr>
-            <p:extLst>
-              <p:ext uri="{D42A27DB-BD31-4B8C-83A1-F6EECF244321}">
-                <p14:modId xmlns:p14="http://schemas.microsoft.com/office/powerpoint/2010/main" val="1371570003"/>
-              </p:ext>
-            </p:extLst>
-          </p:nvPr>
+          <p:nvPr/>
         </p:nvGraphicFramePr>
         <p:xfrm>
           <a:off x="6770458" y="3765495"/>
@@ -7280,10 +7860,290 @@
           </a:graphicData>
         </a:graphic>
       </p:graphicFrame>
+      <p:sp>
+        <p:nvSpPr>
+          <p:cNvPr id="21" name="TextBox 20"/>
+          <p:cNvSpPr txBox="1"/>
+          <p:nvPr/>
+        </p:nvSpPr>
+        <p:spPr>
+          <a:xfrm>
+            <a:off x="9420275" y="6622868"/>
+            <a:ext cx="2818913" cy="276999"/>
+          </a:xfrm>
+          <a:prstGeom prst="rect">
+            <a:avLst/>
+          </a:prstGeom>
+          <a:noFill/>
+        </p:spPr>
+        <p:txBody>
+          <a:bodyPr wrap="none" rtlCol="0">
+            <a:spAutoFit/>
+          </a:bodyPr>
+          <a:lstStyle/>
+          <a:p>
+            <a:r>
+              <a:rPr lang="en-US" sz="1200" smtClean="0"/>
+              <a:t>Note: Actual graphs may not look like this.</a:t>
+            </a:r>
+            <a:endParaRPr lang="en-US" sz="1200"/>
+          </a:p>
+        </p:txBody>
+      </p:sp>
+      <p:pic>
+        <p:nvPicPr>
+          <p:cNvPr id="1028" name="Picture 4" descr="mage result for dropdown noun project"/>
+          <p:cNvPicPr>
+            <a:picLocks noChangeAspect="1" noChangeArrowheads="1"/>
+          </p:cNvPicPr>
+          <p:nvPr/>
+        </p:nvPicPr>
+        <p:blipFill>
+          <a:blip r:embed="rId7">
+            <a:extLst>
+              <a:ext uri="{28A0092B-C50C-407E-A947-70E740481C1C}">
+                <a14:useLocalDpi xmlns:a14="http://schemas.microsoft.com/office/drawing/2010/main" val="0"/>
+              </a:ext>
+            </a:extLst>
+          </a:blip>
+          <a:srcRect/>
+          <a:stretch>
+            <a:fillRect/>
+          </a:stretch>
+        </p:blipFill>
+        <p:spPr bwMode="auto">
+          <a:xfrm>
+            <a:off x="261257" y="4487246"/>
+            <a:ext cx="1163828" cy="1163828"/>
+          </a:xfrm>
+          <a:prstGeom prst="rect">
+            <a:avLst/>
+          </a:prstGeom>
+          <a:noFill/>
+          <a:extLst>
+            <a:ext uri="{909E8E84-426E-40DD-AFC4-6F175D3DCCD1}">
+              <a14:hiddenFill xmlns:a14="http://schemas.microsoft.com/office/drawing/2010/main">
+                <a:solidFill>
+                  <a:srgbClr val="FFFFFF"/>
+                </a:solidFill>
+              </a14:hiddenFill>
+            </a:ext>
+          </a:extLst>
+        </p:spPr>
+      </p:pic>
+      <p:pic>
+        <p:nvPicPr>
+          <p:cNvPr id="28" name="Picture 4" descr="mage result for dropdown noun project"/>
+          <p:cNvPicPr>
+            <a:picLocks noChangeAspect="1" noChangeArrowheads="1"/>
+          </p:cNvPicPr>
+          <p:nvPr/>
+        </p:nvPicPr>
+        <p:blipFill>
+          <a:blip r:embed="rId7">
+            <a:extLst>
+              <a:ext uri="{28A0092B-C50C-407E-A947-70E740481C1C}">
+                <a14:useLocalDpi xmlns:a14="http://schemas.microsoft.com/office/drawing/2010/main" val="0"/>
+              </a:ext>
+            </a:extLst>
+          </a:blip>
+          <a:srcRect/>
+          <a:stretch>
+            <a:fillRect/>
+          </a:stretch>
+        </p:blipFill>
+        <p:spPr bwMode="auto">
+          <a:xfrm>
+            <a:off x="217367" y="2269941"/>
+            <a:ext cx="1163828" cy="1163828"/>
+          </a:xfrm>
+          <a:prstGeom prst="rect">
+            <a:avLst/>
+          </a:prstGeom>
+          <a:noFill/>
+          <a:extLst>
+            <a:ext uri="{909E8E84-426E-40DD-AFC4-6F175D3DCCD1}">
+              <a14:hiddenFill xmlns:a14="http://schemas.microsoft.com/office/drawing/2010/main">
+                <a:solidFill>
+                  <a:srgbClr val="FFFFFF"/>
+                </a:solidFill>
+              </a14:hiddenFill>
+            </a:ext>
+          </a:extLst>
+        </p:spPr>
+      </p:pic>
+      <p:sp>
+        <p:nvSpPr>
+          <p:cNvPr id="16" name="Rectangle 15"/>
+          <p:cNvSpPr/>
+          <p:nvPr/>
+        </p:nvSpPr>
+        <p:spPr>
+          <a:xfrm>
+            <a:off x="156942" y="3800130"/>
+            <a:ext cx="1311578" cy="830997"/>
+          </a:xfrm>
+          <a:prstGeom prst="rect">
+            <a:avLst/>
+          </a:prstGeom>
+        </p:spPr>
+        <p:txBody>
+          <a:bodyPr wrap="none">
+            <a:spAutoFit/>
+          </a:bodyPr>
+          <a:lstStyle/>
+          <a:p>
+            <a:pPr algn="ctr"/>
+            <a:r>
+              <a:rPr lang="en-US" sz="1600" dirty="0" smtClean="0">
+                <a:solidFill>
+                  <a:schemeClr val="bg1"/>
+                </a:solidFill>
+                <a:latin typeface="Helvetica" charset="0"/>
+                <a:ea typeface="Helvetica" charset="0"/>
+                <a:cs typeface="Helvetica" charset="0"/>
+              </a:rPr>
+              <a:t>Personal </a:t>
+            </a:r>
+            <a:br>
+              <a:rPr lang="en-US" sz="1600" dirty="0" smtClean="0">
+                <a:solidFill>
+                  <a:schemeClr val="bg1"/>
+                </a:solidFill>
+                <a:latin typeface="Helvetica" charset="0"/>
+                <a:ea typeface="Helvetica" charset="0"/>
+                <a:cs typeface="Helvetica" charset="0"/>
+              </a:rPr>
+            </a:br>
+            <a:r>
+              <a:rPr lang="en-US" sz="1600" dirty="0" smtClean="0">
+                <a:solidFill>
+                  <a:schemeClr val="bg1"/>
+                </a:solidFill>
+                <a:latin typeface="Helvetica" charset="0"/>
+                <a:ea typeface="Helvetica" charset="0"/>
+                <a:cs typeface="Helvetica" charset="0"/>
+              </a:rPr>
+              <a:t>vs </a:t>
+            </a:r>
+            <a:br>
+              <a:rPr lang="en-US" sz="1600" dirty="0" smtClean="0">
+                <a:solidFill>
+                  <a:schemeClr val="bg1"/>
+                </a:solidFill>
+                <a:latin typeface="Helvetica" charset="0"/>
+                <a:ea typeface="Helvetica" charset="0"/>
+                <a:cs typeface="Helvetica" charset="0"/>
+              </a:rPr>
+            </a:br>
+            <a:r>
+              <a:rPr lang="en-US" sz="1600" dirty="0" smtClean="0">
+                <a:solidFill>
+                  <a:schemeClr val="bg1"/>
+                </a:solidFill>
+                <a:latin typeface="Helvetica" charset="0"/>
+                <a:ea typeface="Helvetica" charset="0"/>
+                <a:cs typeface="Helvetica" charset="0"/>
+              </a:rPr>
+              <a:t>Professional</a:t>
+            </a:r>
+            <a:endParaRPr lang="en-US" sz="1600" dirty="0" smtClean="0">
+              <a:solidFill>
+                <a:schemeClr val="bg1"/>
+              </a:solidFill>
+              <a:latin typeface="Helvetica" charset="0"/>
+              <a:ea typeface="Helvetica" charset="0"/>
+              <a:cs typeface="Helvetica" charset="0"/>
+            </a:endParaRPr>
+          </a:p>
+        </p:txBody>
+      </p:sp>
+      <p:sp>
+        <p:nvSpPr>
+          <p:cNvPr id="17" name="TextBox 16"/>
+          <p:cNvSpPr txBox="1"/>
+          <p:nvPr/>
+        </p:nvSpPr>
+        <p:spPr>
+          <a:xfrm>
+            <a:off x="347875" y="1956673"/>
+            <a:ext cx="902811" cy="338554"/>
+          </a:xfrm>
+          <a:prstGeom prst="rect">
+            <a:avLst/>
+          </a:prstGeom>
+          <a:noFill/>
+        </p:spPr>
+        <p:txBody>
+          <a:bodyPr wrap="none" rtlCol="0">
+            <a:spAutoFit/>
+          </a:bodyPr>
+          <a:lstStyle/>
+          <a:p>
+            <a:r>
+              <a:rPr lang="en-US" sz="1600" dirty="0" smtClean="0">
+                <a:solidFill>
+                  <a:schemeClr val="bg1"/>
+                </a:solidFill>
+                <a:latin typeface="Helvetica" charset="0"/>
+                <a:ea typeface="Helvetica" charset="0"/>
+                <a:cs typeface="Helvetica" charset="0"/>
+              </a:rPr>
+              <a:t>Country</a:t>
+            </a:r>
+            <a:endParaRPr lang="en-US" dirty="0">
+              <a:solidFill>
+                <a:schemeClr val="bg1"/>
+              </a:solidFill>
+              <a:latin typeface="Helvetica" charset="0"/>
+              <a:ea typeface="Helvetica" charset="0"/>
+              <a:cs typeface="Helvetica" charset="0"/>
+            </a:endParaRPr>
+          </a:p>
+        </p:txBody>
+      </p:sp>
+      <p:sp>
+        <p:nvSpPr>
+          <p:cNvPr id="19" name="TextBox 18"/>
+          <p:cNvSpPr txBox="1"/>
+          <p:nvPr/>
+        </p:nvSpPr>
+        <p:spPr>
+          <a:xfrm>
+            <a:off x="3550207" y="207378"/>
+            <a:ext cx="5870068" cy="461665"/>
+          </a:xfrm>
+          <a:prstGeom prst="rect">
+            <a:avLst/>
+          </a:prstGeom>
+          <a:noFill/>
+        </p:spPr>
+        <p:txBody>
+          <a:bodyPr wrap="none" rtlCol="0">
+            <a:spAutoFit/>
+          </a:bodyPr>
+          <a:lstStyle/>
+          <a:p>
+            <a:r>
+              <a:rPr lang="en-US" sz="2400" dirty="0" smtClean="0">
+                <a:latin typeface="Helvetica" charset="0"/>
+                <a:ea typeface="Helvetica" charset="0"/>
+                <a:cs typeface="Helvetica" charset="0"/>
+              </a:rPr>
+              <a:t>Plots of Different Variables Given Filters   </a:t>
+            </a:r>
+            <a:endParaRPr lang="en-US" sz="2400" dirty="0">
+              <a:latin typeface="Helvetica" charset="0"/>
+              <a:ea typeface="Helvetica" charset="0"/>
+              <a:cs typeface="Helvetica" charset="0"/>
+            </a:endParaRPr>
+          </a:p>
+        </p:txBody>
+      </p:sp>
     </p:spTree>
     <p:extLst>
       <p:ext uri="{BB962C8B-B14F-4D97-AF65-F5344CB8AC3E}">
-        <p14:creationId xmlns:p14="http://schemas.microsoft.com/office/powerpoint/2010/main" val="700108581"/>
+        <p14:creationId xmlns:p14="http://schemas.microsoft.com/office/powerpoint/2010/main" val="1184622626"/>
       </p:ext>
     </p:extLst>
   </p:cSld>

--- a/Draft_Sketch.pptx
+++ b/Draft_Sketch.pptx
@@ -105,6 +105,11 @@
       </a:defRPr>
     </a:lvl9pPr>
   </p:defaultTextStyle>
+  <p:extLst>
+    <p:ext uri="{EFAFB233-063F-42B5-8137-9DF3F51BA10A}">
+      <p15:sldGuideLst xmlns:p15="http://schemas.microsoft.com/office/powerpoint/2012/main"/>
+    </p:ext>
+  </p:extLst>
 </p:presentation>
 </file>
 
@@ -358,11 +363,11 @@
         </c:dLbls>
         <c:gapWidth val="219"/>
         <c:overlap val="-27"/>
-        <c:axId val="-2015292064"/>
-        <c:axId val="-2127936688"/>
+        <c:axId val="-2143145200"/>
+        <c:axId val="-2081535520"/>
       </c:barChart>
       <c:catAx>
-        <c:axId val="-2015292064"/>
+        <c:axId val="-2143145200"/>
         <c:scaling>
           <c:orientation val="minMax"/>
         </c:scaling>
@@ -405,7 +410,7 @@
             <a:endParaRPr lang="en-US"/>
           </a:p>
         </c:txPr>
-        <c:crossAx val="-2127936688"/>
+        <c:crossAx val="-2081535520"/>
         <c:crosses val="autoZero"/>
         <c:auto val="1"/>
         <c:lblAlgn val="ctr"/>
@@ -413,7 +418,7 @@
         <c:noMultiLvlLbl val="0"/>
       </c:catAx>
       <c:valAx>
-        <c:axId val="-2127936688"/>
+        <c:axId val="-2081535520"/>
         <c:scaling>
           <c:orientation val="minMax"/>
         </c:scaling>
@@ -521,7 +526,7 @@
             <a:endParaRPr lang="en-US"/>
           </a:p>
         </c:txPr>
-        <c:crossAx val="-2015292064"/>
+        <c:crossAx val="-2143145200"/>
         <c:crosses val="autoZero"/>
         <c:crossBetween val="between"/>
       </c:valAx>
@@ -788,11 +793,11 @@
         </c:dLbls>
         <c:gapWidth val="219"/>
         <c:overlap val="-27"/>
-        <c:axId val="-1991486272"/>
-        <c:axId val="-1990541152"/>
+        <c:axId val="-2143237648"/>
+        <c:axId val="-2143243808"/>
       </c:barChart>
       <c:catAx>
-        <c:axId val="-1991486272"/>
+        <c:axId val="-2143237648"/>
         <c:scaling>
           <c:orientation val="minMax"/>
         </c:scaling>
@@ -835,7 +840,7 @@
             <a:endParaRPr lang="en-US"/>
           </a:p>
         </c:txPr>
-        <c:crossAx val="-1990541152"/>
+        <c:crossAx val="-2143243808"/>
         <c:crosses val="autoZero"/>
         <c:auto val="1"/>
         <c:lblAlgn val="ctr"/>
@@ -843,7 +848,7 @@
         <c:noMultiLvlLbl val="0"/>
       </c:catAx>
       <c:valAx>
-        <c:axId val="-1990541152"/>
+        <c:axId val="-2143243808"/>
         <c:scaling>
           <c:orientation val="minMax"/>
         </c:scaling>
@@ -951,7 +956,7 @@
             <a:endParaRPr lang="en-US"/>
           </a:p>
         </c:txPr>
-        <c:crossAx val="-1991486272"/>
+        <c:crossAx val="-2143237648"/>
         <c:crosses val="autoZero"/>
         <c:crossBetween val="between"/>
       </c:valAx>
@@ -1218,11 +1223,11 @@
         </c:dLbls>
         <c:gapWidth val="150"/>
         <c:overlap val="100"/>
-        <c:axId val="-2021488976"/>
-        <c:axId val="-2038401328"/>
+        <c:axId val="-2045732432"/>
+        <c:axId val="-2081461760"/>
       </c:barChart>
       <c:catAx>
-        <c:axId val="-2021488976"/>
+        <c:axId val="-2045732432"/>
         <c:scaling>
           <c:orientation val="minMax"/>
         </c:scaling>
@@ -1265,7 +1270,7 @@
             <a:endParaRPr lang="en-US"/>
           </a:p>
         </c:txPr>
-        <c:crossAx val="-2038401328"/>
+        <c:crossAx val="-2081461760"/>
         <c:crosses val="autoZero"/>
         <c:auto val="1"/>
         <c:lblAlgn val="ctr"/>
@@ -1273,7 +1278,7 @@
         <c:noMultiLvlLbl val="0"/>
       </c:catAx>
       <c:valAx>
-        <c:axId val="-2038401328"/>
+        <c:axId val="-2081461760"/>
         <c:scaling>
           <c:orientation val="minMax"/>
         </c:scaling>
@@ -1381,7 +1386,7 @@
             <a:endParaRPr lang="en-US"/>
           </a:p>
         </c:txPr>
-        <c:crossAx val="-2021488976"/>
+        <c:crossAx val="-2045732432"/>
         <c:crosses val="autoZero"/>
         <c:crossBetween val="between"/>
       </c:valAx>
@@ -1749,11 +1754,11 @@
           <c:showBubbleSize val="0"/>
         </c:dLbls>
         <c:smooth val="0"/>
-        <c:axId val="-1992145360"/>
-        <c:axId val="-1990536752"/>
+        <c:axId val="-2081568880"/>
+        <c:axId val="-2081577984"/>
       </c:lineChart>
       <c:catAx>
-        <c:axId val="-1992145360"/>
+        <c:axId val="-2081568880"/>
         <c:scaling>
           <c:orientation val="minMax"/>
         </c:scaling>
@@ -1796,7 +1801,7 @@
             <a:endParaRPr lang="en-US"/>
           </a:p>
         </c:txPr>
-        <c:crossAx val="-1990536752"/>
+        <c:crossAx val="-2081577984"/>
         <c:crosses val="autoZero"/>
         <c:auto val="1"/>
         <c:lblAlgn val="ctr"/>
@@ -1804,7 +1809,7 @@
         <c:noMultiLvlLbl val="0"/>
       </c:catAx>
       <c:valAx>
-        <c:axId val="-1990536752"/>
+        <c:axId val="-2081577984"/>
         <c:scaling>
           <c:orientation val="minMax"/>
         </c:scaling>
@@ -1886,7 +1891,7 @@
             <a:endParaRPr lang="en-US"/>
           </a:p>
         </c:txPr>
-        <c:crossAx val="-1992145360"/>
+        <c:crossAx val="-2081568880"/>
         <c:crosses val="autoZero"/>
         <c:crossBetween val="between"/>
       </c:valAx>
@@ -4263,7 +4268,7 @@
           <a:p>
             <a:fld id="{8142FA59-741D-264D-873D-790DAE389E9B}" type="datetimeFigureOut">
               <a:rPr lang="en-US" smtClean="0"/>
-              <a:t>1/7/19</a:t>
+              <a:t>1/11/19</a:t>
             </a:fld>
             <a:endParaRPr lang="en-US"/>
           </a:p>
@@ -4433,7 +4438,7 @@
           <a:p>
             <a:fld id="{8142FA59-741D-264D-873D-790DAE389E9B}" type="datetimeFigureOut">
               <a:rPr lang="en-US" smtClean="0"/>
-              <a:t>1/7/19</a:t>
+              <a:t>1/11/19</a:t>
             </a:fld>
             <a:endParaRPr lang="en-US"/>
           </a:p>
@@ -4613,7 +4618,7 @@
           <a:p>
             <a:fld id="{8142FA59-741D-264D-873D-790DAE389E9B}" type="datetimeFigureOut">
               <a:rPr lang="en-US" smtClean="0"/>
-              <a:t>1/7/19</a:t>
+              <a:t>1/11/19</a:t>
             </a:fld>
             <a:endParaRPr lang="en-US"/>
           </a:p>
@@ -4783,7 +4788,7 @@
           <a:p>
             <a:fld id="{8142FA59-741D-264D-873D-790DAE389E9B}" type="datetimeFigureOut">
               <a:rPr lang="en-US" smtClean="0"/>
-              <a:t>1/7/19</a:t>
+              <a:t>1/11/19</a:t>
             </a:fld>
             <a:endParaRPr lang="en-US"/>
           </a:p>
@@ -5029,7 +5034,7 @@
           <a:p>
             <a:fld id="{8142FA59-741D-264D-873D-790DAE389E9B}" type="datetimeFigureOut">
               <a:rPr lang="en-US" smtClean="0"/>
-              <a:t>1/7/19</a:t>
+              <a:t>1/11/19</a:t>
             </a:fld>
             <a:endParaRPr lang="en-US"/>
           </a:p>
@@ -5261,7 +5266,7 @@
           <a:p>
             <a:fld id="{8142FA59-741D-264D-873D-790DAE389E9B}" type="datetimeFigureOut">
               <a:rPr lang="en-US" smtClean="0"/>
-              <a:t>1/7/19</a:t>
+              <a:t>1/11/19</a:t>
             </a:fld>
             <a:endParaRPr lang="en-US"/>
           </a:p>
@@ -5628,7 +5633,7 @@
           <a:p>
             <a:fld id="{8142FA59-741D-264D-873D-790DAE389E9B}" type="datetimeFigureOut">
               <a:rPr lang="en-US" smtClean="0"/>
-              <a:t>1/7/19</a:t>
+              <a:t>1/11/19</a:t>
             </a:fld>
             <a:endParaRPr lang="en-US"/>
           </a:p>
@@ -5746,7 +5751,7 @@
           <a:p>
             <a:fld id="{8142FA59-741D-264D-873D-790DAE389E9B}" type="datetimeFigureOut">
               <a:rPr lang="en-US" smtClean="0"/>
-              <a:t>1/7/19</a:t>
+              <a:t>1/11/19</a:t>
             </a:fld>
             <a:endParaRPr lang="en-US"/>
           </a:p>
@@ -5841,7 +5846,7 @@
           <a:p>
             <a:fld id="{8142FA59-741D-264D-873D-790DAE389E9B}" type="datetimeFigureOut">
               <a:rPr lang="en-US" smtClean="0"/>
-              <a:t>1/7/19</a:t>
+              <a:t>1/11/19</a:t>
             </a:fld>
             <a:endParaRPr lang="en-US"/>
           </a:p>
@@ -6118,7 +6123,7 @@
           <a:p>
             <a:fld id="{8142FA59-741D-264D-873D-790DAE389E9B}" type="datetimeFigureOut">
               <a:rPr lang="en-US" smtClean="0"/>
-              <a:t>1/7/19</a:t>
+              <a:t>1/11/19</a:t>
             </a:fld>
             <a:endParaRPr lang="en-US"/>
           </a:p>
@@ -6371,7 +6376,7 @@
           <a:p>
             <a:fld id="{8142FA59-741D-264D-873D-790DAE389E9B}" type="datetimeFigureOut">
               <a:rPr lang="en-US" smtClean="0"/>
-              <a:t>1/7/19</a:t>
+              <a:t>1/11/19</a:t>
             </a:fld>
             <a:endParaRPr lang="en-US"/>
           </a:p>
@@ -6584,7 +6589,7 @@
           <a:p>
             <a:fld id="{8142FA59-741D-264D-873D-790DAE389E9B}" type="datetimeFigureOut">
               <a:rPr lang="en-US" smtClean="0"/>
-              <a:t>1/7/19</a:t>
+              <a:t>1/11/19</a:t>
             </a:fld>
             <a:endParaRPr lang="en-US"/>
           </a:p>
@@ -7160,133 +7165,6 @@
       </p:sp>
       <p:pic>
         <p:nvPicPr>
-          <p:cNvPr id="1028" name="Picture 4" descr="mage result for dropdown noun project"/>
-          <p:cNvPicPr>
-            <a:picLocks noChangeAspect="1" noChangeArrowheads="1"/>
-          </p:cNvPicPr>
-          <p:nvPr/>
-        </p:nvPicPr>
-        <p:blipFill>
-          <a:blip r:embed="rId2">
-            <a:extLst>
-              <a:ext uri="{28A0092B-C50C-407E-A947-70E740481C1C}">
-                <a14:useLocalDpi xmlns:a14="http://schemas.microsoft.com/office/drawing/2010/main" val="0"/>
-              </a:ext>
-            </a:extLst>
-          </a:blip>
-          <a:srcRect/>
-          <a:stretch>
-            <a:fillRect/>
-          </a:stretch>
-        </p:blipFill>
-        <p:spPr bwMode="auto">
-          <a:xfrm>
-            <a:off x="261257" y="4487246"/>
-            <a:ext cx="1163828" cy="1163828"/>
-          </a:xfrm>
-          <a:prstGeom prst="rect">
-            <a:avLst/>
-          </a:prstGeom>
-          <a:noFill/>
-          <a:extLst>
-            <a:ext uri="{909E8E84-426E-40DD-AFC4-6F175D3DCCD1}">
-              <a14:hiddenFill xmlns:a14="http://schemas.microsoft.com/office/drawing/2010/main">
-                <a:solidFill>
-                  <a:srgbClr val="FFFFFF"/>
-                </a:solidFill>
-              </a14:hiddenFill>
-            </a:ext>
-          </a:extLst>
-        </p:spPr>
-      </p:pic>
-      <p:sp>
-        <p:nvSpPr>
-          <p:cNvPr id="25" name="Rectangle 24"/>
-          <p:cNvSpPr/>
-          <p:nvPr/>
-        </p:nvSpPr>
-        <p:spPr>
-          <a:xfrm>
-            <a:off x="156942" y="3800130"/>
-            <a:ext cx="1311578" cy="830997"/>
-          </a:xfrm>
-          <a:prstGeom prst="rect">
-            <a:avLst/>
-          </a:prstGeom>
-        </p:spPr>
-        <p:txBody>
-          <a:bodyPr wrap="none">
-            <a:spAutoFit/>
-          </a:bodyPr>
-          <a:lstStyle/>
-          <a:p>
-            <a:pPr algn="ctr"/>
-            <a:r>
-              <a:rPr lang="en-US" sz="1600" dirty="0" smtClean="0">
-                <a:solidFill>
-                  <a:schemeClr val="bg1"/>
-                </a:solidFill>
-                <a:latin typeface="Helvetica" charset="0"/>
-                <a:ea typeface="Helvetica" charset="0"/>
-                <a:cs typeface="Helvetica" charset="0"/>
-              </a:rPr>
-              <a:t>Personal </a:t>
-            </a:r>
-            <a:br>
-              <a:rPr lang="en-US" sz="1600" dirty="0" smtClean="0">
-                <a:solidFill>
-                  <a:schemeClr val="bg1"/>
-                </a:solidFill>
-                <a:latin typeface="Helvetica" charset="0"/>
-                <a:ea typeface="Helvetica" charset="0"/>
-                <a:cs typeface="Helvetica" charset="0"/>
-              </a:rPr>
-            </a:br>
-            <a:r>
-              <a:rPr lang="en-US" sz="1600" dirty="0" smtClean="0">
-                <a:solidFill>
-                  <a:schemeClr val="bg1"/>
-                </a:solidFill>
-                <a:latin typeface="Helvetica" charset="0"/>
-                <a:ea typeface="Helvetica" charset="0"/>
-                <a:cs typeface="Helvetica" charset="0"/>
-              </a:rPr>
-              <a:t>vs </a:t>
-            </a:r>
-            <a:br>
-              <a:rPr lang="en-US" sz="1600" dirty="0" smtClean="0">
-                <a:solidFill>
-                  <a:schemeClr val="bg1"/>
-                </a:solidFill>
-                <a:latin typeface="Helvetica" charset="0"/>
-                <a:ea typeface="Helvetica" charset="0"/>
-                <a:cs typeface="Helvetica" charset="0"/>
-              </a:rPr>
-            </a:br>
-            <a:r>
-              <a:rPr lang="en-US" sz="1600" dirty="0" smtClean="0">
-                <a:solidFill>
-                  <a:schemeClr val="bg1"/>
-                </a:solidFill>
-                <a:latin typeface="Helvetica" charset="0"/>
-                <a:ea typeface="Helvetica" charset="0"/>
-                <a:cs typeface="Helvetica" charset="0"/>
-              </a:rPr>
-              <a:t>Professional</a:t>
-            </a:r>
-            <a:endParaRPr lang="en-US" sz="1600" dirty="0" smtClean="0">
-              <a:solidFill>
-                <a:schemeClr val="bg1"/>
-              </a:solidFill>
-              <a:latin typeface="Helvetica" charset="0"/>
-              <a:ea typeface="Helvetica" charset="0"/>
-              <a:cs typeface="Helvetica" charset="0"/>
-            </a:endParaRPr>
-          </a:p>
-        </p:txBody>
-      </p:sp>
-      <p:pic>
-        <p:nvPicPr>
           <p:cNvPr id="28" name="Picture 4" descr="mage result for dropdown noun project"/>
           <p:cNvPicPr>
             <a:picLocks noChangeAspect="1" noChangeArrowheads="1"/>
@@ -7308,7 +7186,7 @@
         </p:blipFill>
         <p:spPr bwMode="auto">
           <a:xfrm>
-            <a:off x="217367" y="2269941"/>
+            <a:off x="217367" y="1693166"/>
             <a:ext cx="1163828" cy="1163828"/>
           </a:xfrm>
           <a:prstGeom prst="rect">
@@ -7334,7 +7212,7 @@
         </p:nvSpPr>
         <p:spPr>
           <a:xfrm>
-            <a:off x="347875" y="1956673"/>
+            <a:off x="347875" y="1379898"/>
             <a:ext cx="902811" cy="338554"/>
           </a:xfrm>
           <a:prstGeom prst="rect">
@@ -7577,6 +7455,125 @@
               <a:t>100</a:t>
             </a:r>
             <a:endParaRPr lang="en-US"/>
+          </a:p>
+        </p:txBody>
+      </p:sp>
+      <p:pic>
+        <p:nvPicPr>
+          <p:cNvPr id="15" name="Picture 4" descr="mage result for dropdown noun project"/>
+          <p:cNvPicPr>
+            <a:picLocks noChangeAspect="1" noChangeArrowheads="1"/>
+          </p:cNvPicPr>
+          <p:nvPr/>
+        </p:nvPicPr>
+        <p:blipFill>
+          <a:blip r:embed="rId2">
+            <a:extLst>
+              <a:ext uri="{28A0092B-C50C-407E-A947-70E740481C1C}">
+                <a14:useLocalDpi xmlns:a14="http://schemas.microsoft.com/office/drawing/2010/main" val="0"/>
+              </a:ext>
+            </a:extLst>
+          </a:blip>
+          <a:srcRect/>
+          <a:stretch>
+            <a:fillRect/>
+          </a:stretch>
+        </p:blipFill>
+        <p:spPr bwMode="auto">
+          <a:xfrm>
+            <a:off x="261257" y="3797929"/>
+            <a:ext cx="1163828" cy="1163828"/>
+          </a:xfrm>
+          <a:prstGeom prst="rect">
+            <a:avLst/>
+          </a:prstGeom>
+          <a:noFill/>
+          <a:extLst>
+            <a:ext uri="{909E8E84-426E-40DD-AFC4-6F175D3DCCD1}">
+              <a14:hiddenFill xmlns:a14="http://schemas.microsoft.com/office/drawing/2010/main">
+                <a:solidFill>
+                  <a:srgbClr val="FFFFFF"/>
+                </a:solidFill>
+              </a14:hiddenFill>
+            </a:ext>
+          </a:extLst>
+        </p:spPr>
+      </p:pic>
+      <p:sp>
+        <p:nvSpPr>
+          <p:cNvPr id="16" name="Rectangle 15"/>
+          <p:cNvSpPr/>
+          <p:nvPr/>
+        </p:nvSpPr>
+        <p:spPr>
+          <a:xfrm>
+            <a:off x="156942" y="3110813"/>
+            <a:ext cx="1311578" cy="830997"/>
+          </a:xfrm>
+          <a:prstGeom prst="rect">
+            <a:avLst/>
+          </a:prstGeom>
+        </p:spPr>
+        <p:txBody>
+          <a:bodyPr wrap="none">
+            <a:spAutoFit/>
+          </a:bodyPr>
+          <a:lstStyle/>
+          <a:p>
+            <a:pPr algn="ctr"/>
+            <a:r>
+              <a:rPr lang="en-US" sz="1600" dirty="0" smtClean="0">
+                <a:solidFill>
+                  <a:schemeClr val="bg1"/>
+                </a:solidFill>
+                <a:latin typeface="Helvetica" charset="0"/>
+                <a:ea typeface="Helvetica" charset="0"/>
+                <a:cs typeface="Helvetica" charset="0"/>
+              </a:rPr>
+              <a:t>Personal </a:t>
+            </a:r>
+            <a:br>
+              <a:rPr lang="en-US" sz="1600" dirty="0" smtClean="0">
+                <a:solidFill>
+                  <a:schemeClr val="bg1"/>
+                </a:solidFill>
+                <a:latin typeface="Helvetica" charset="0"/>
+                <a:ea typeface="Helvetica" charset="0"/>
+                <a:cs typeface="Helvetica" charset="0"/>
+              </a:rPr>
+            </a:br>
+            <a:r>
+              <a:rPr lang="en-US" sz="1600" dirty="0" smtClean="0">
+                <a:solidFill>
+                  <a:schemeClr val="bg1"/>
+                </a:solidFill>
+                <a:latin typeface="Helvetica" charset="0"/>
+                <a:ea typeface="Helvetica" charset="0"/>
+                <a:cs typeface="Helvetica" charset="0"/>
+              </a:rPr>
+              <a:t>vs </a:t>
+            </a:r>
+            <a:br>
+              <a:rPr lang="en-US" sz="1600" dirty="0" smtClean="0">
+                <a:solidFill>
+                  <a:schemeClr val="bg1"/>
+                </a:solidFill>
+                <a:latin typeface="Helvetica" charset="0"/>
+                <a:ea typeface="Helvetica" charset="0"/>
+                <a:cs typeface="Helvetica" charset="0"/>
+              </a:rPr>
+            </a:br>
+            <a:r>
+              <a:rPr lang="en-US" sz="1600" dirty="0" smtClean="0">
+                <a:solidFill>
+                  <a:schemeClr val="bg1"/>
+                </a:solidFill>
+                <a:latin typeface="Helvetica" charset="0"/>
+                <a:ea typeface="Helvetica" charset="0"/>
+                <a:cs typeface="Helvetica" charset="0"/>
+              </a:rPr>
+              <a:t>Professional</a:t>
+            </a:r>
           </a:p>
         </p:txBody>
       </p:sp>
@@ -7890,9 +7887,47 @@
           </a:p>
         </p:txBody>
       </p:sp>
+      <p:sp>
+        <p:nvSpPr>
+          <p:cNvPr id="19" name="TextBox 18"/>
+          <p:cNvSpPr txBox="1"/>
+          <p:nvPr/>
+        </p:nvSpPr>
+        <p:spPr>
+          <a:xfrm>
+            <a:off x="3550207" y="207378"/>
+            <a:ext cx="5870068" cy="461665"/>
+          </a:xfrm>
+          <a:prstGeom prst="rect">
+            <a:avLst/>
+          </a:prstGeom>
+          <a:noFill/>
+        </p:spPr>
+        <p:txBody>
+          <a:bodyPr wrap="none" rtlCol="0">
+            <a:spAutoFit/>
+          </a:bodyPr>
+          <a:lstStyle/>
+          <a:p>
+            <a:r>
+              <a:rPr lang="en-US" sz="2400" dirty="0" smtClean="0">
+                <a:latin typeface="Helvetica" charset="0"/>
+                <a:ea typeface="Helvetica" charset="0"/>
+                <a:cs typeface="Helvetica" charset="0"/>
+              </a:rPr>
+              <a:t>Plots of Different Variables Given Filters   </a:t>
+            </a:r>
+            <a:endParaRPr lang="en-US" sz="2400" dirty="0">
+              <a:latin typeface="Helvetica" charset="0"/>
+              <a:ea typeface="Helvetica" charset="0"/>
+              <a:cs typeface="Helvetica" charset="0"/>
+            </a:endParaRPr>
+          </a:p>
+        </p:txBody>
+      </p:sp>
       <p:pic>
         <p:nvPicPr>
-          <p:cNvPr id="1028" name="Picture 4" descr="mage result for dropdown noun project"/>
+          <p:cNvPr id="18" name="Picture 4" descr="mage result for dropdown noun project"/>
           <p:cNvPicPr>
             <a:picLocks noChangeAspect="1" noChangeArrowheads="1"/>
           </p:cNvPicPr>
@@ -7913,48 +7948,7 @@
         </p:blipFill>
         <p:spPr bwMode="auto">
           <a:xfrm>
-            <a:off x="261257" y="4487246"/>
-            <a:ext cx="1163828" cy="1163828"/>
-          </a:xfrm>
-          <a:prstGeom prst="rect">
-            <a:avLst/>
-          </a:prstGeom>
-          <a:noFill/>
-          <a:extLst>
-            <a:ext uri="{909E8E84-426E-40DD-AFC4-6F175D3DCCD1}">
-              <a14:hiddenFill xmlns:a14="http://schemas.microsoft.com/office/drawing/2010/main">
-                <a:solidFill>
-                  <a:srgbClr val="FFFFFF"/>
-                </a:solidFill>
-              </a14:hiddenFill>
-            </a:ext>
-          </a:extLst>
-        </p:spPr>
-      </p:pic>
-      <p:pic>
-        <p:nvPicPr>
-          <p:cNvPr id="28" name="Picture 4" descr="mage result for dropdown noun project"/>
-          <p:cNvPicPr>
-            <a:picLocks noChangeAspect="1" noChangeArrowheads="1"/>
-          </p:cNvPicPr>
-          <p:nvPr/>
-        </p:nvPicPr>
-        <p:blipFill>
-          <a:blip r:embed="rId7">
-            <a:extLst>
-              <a:ext uri="{28A0092B-C50C-407E-A947-70E740481C1C}">
-                <a14:useLocalDpi xmlns:a14="http://schemas.microsoft.com/office/drawing/2010/main" val="0"/>
-              </a:ext>
-            </a:extLst>
-          </a:blip>
-          <a:srcRect/>
-          <a:stretch>
-            <a:fillRect/>
-          </a:stretch>
-        </p:blipFill>
-        <p:spPr bwMode="auto">
-          <a:xfrm>
-            <a:off x="217367" y="2269941"/>
+            <a:off x="261257" y="3797929"/>
             <a:ext cx="1163828" cy="1163828"/>
           </a:xfrm>
           <a:prstGeom prst="rect">
@@ -7974,13 +7968,13 @@
       </p:pic>
       <p:sp>
         <p:nvSpPr>
-          <p:cNvPr id="16" name="Rectangle 15"/>
+          <p:cNvPr id="24" name="Rectangle 23"/>
           <p:cNvSpPr/>
           <p:nvPr/>
         </p:nvSpPr>
         <p:spPr>
           <a:xfrm>
-            <a:off x="156942" y="3800130"/>
+            <a:off x="156942" y="3110813"/>
             <a:ext cx="1311578" cy="830997"/>
           </a:xfrm>
           <a:prstGeom prst="rect">
@@ -8047,26 +8041,59 @@
               </a:rPr>
               <a:t>Professional</a:t>
             </a:r>
-            <a:endParaRPr lang="en-US" sz="1600" dirty="0" smtClean="0">
-              <a:solidFill>
-                <a:schemeClr val="bg1"/>
-              </a:solidFill>
-              <a:latin typeface="Helvetica" charset="0"/>
-              <a:ea typeface="Helvetica" charset="0"/>
-              <a:cs typeface="Helvetica" charset="0"/>
-            </a:endParaRPr>
           </a:p>
         </p:txBody>
       </p:sp>
+      <p:pic>
+        <p:nvPicPr>
+          <p:cNvPr id="25" name="Picture 4" descr="mage result for dropdown noun project"/>
+          <p:cNvPicPr>
+            <a:picLocks noChangeAspect="1" noChangeArrowheads="1"/>
+          </p:cNvPicPr>
+          <p:nvPr/>
+        </p:nvPicPr>
+        <p:blipFill>
+          <a:blip r:embed="rId7">
+            <a:extLst>
+              <a:ext uri="{28A0092B-C50C-407E-A947-70E740481C1C}">
+                <a14:useLocalDpi xmlns:a14="http://schemas.microsoft.com/office/drawing/2010/main" val="0"/>
+              </a:ext>
+            </a:extLst>
+          </a:blip>
+          <a:srcRect/>
+          <a:stretch>
+            <a:fillRect/>
+          </a:stretch>
+        </p:blipFill>
+        <p:spPr bwMode="auto">
+          <a:xfrm>
+            <a:off x="217367" y="1693166"/>
+            <a:ext cx="1163828" cy="1163828"/>
+          </a:xfrm>
+          <a:prstGeom prst="rect">
+            <a:avLst/>
+          </a:prstGeom>
+          <a:noFill/>
+          <a:extLst>
+            <a:ext uri="{909E8E84-426E-40DD-AFC4-6F175D3DCCD1}">
+              <a14:hiddenFill xmlns:a14="http://schemas.microsoft.com/office/drawing/2010/main">
+                <a:solidFill>
+                  <a:srgbClr val="FFFFFF"/>
+                </a:solidFill>
+              </a14:hiddenFill>
+            </a:ext>
+          </a:extLst>
+        </p:spPr>
+      </p:pic>
       <p:sp>
         <p:nvSpPr>
-          <p:cNvPr id="17" name="TextBox 16"/>
+          <p:cNvPr id="26" name="TextBox 25"/>
           <p:cNvSpPr txBox="1"/>
           <p:nvPr/>
         </p:nvSpPr>
         <p:spPr>
           <a:xfrm>
-            <a:off x="347875" y="1956673"/>
+            <a:off x="347875" y="1379898"/>
             <a:ext cx="902811" cy="338554"/>
           </a:xfrm>
           <a:prstGeom prst="rect">
@@ -8102,16 +8129,45 @@
           </a:p>
         </p:txBody>
       </p:sp>
+      <p:pic>
+        <p:nvPicPr>
+          <p:cNvPr id="2" name="Picture 1"/>
+          <p:cNvPicPr>
+            <a:picLocks noChangeAspect="1"/>
+          </p:cNvPicPr>
+          <p:nvPr/>
+        </p:nvPicPr>
+        <p:blipFill rotWithShape="1">
+          <a:blip r:embed="rId8">
+            <a:extLst>
+              <a:ext uri="{28A0092B-C50C-407E-A947-70E740481C1C}">
+                <a14:useLocalDpi xmlns:a14="http://schemas.microsoft.com/office/drawing/2010/main" val="0"/>
+              </a:ext>
+            </a:extLst>
+          </a:blip>
+          <a:srcRect b="17744"/>
+          <a:stretch/>
+        </p:blipFill>
+        <p:spPr>
+          <a:xfrm>
+            <a:off x="217367" y="5590198"/>
+            <a:ext cx="1067602" cy="878171"/>
+          </a:xfrm>
+          <a:prstGeom prst="rect">
+            <a:avLst/>
+          </a:prstGeom>
+        </p:spPr>
+      </p:pic>
       <p:sp>
         <p:nvSpPr>
-          <p:cNvPr id="19" name="TextBox 18"/>
+          <p:cNvPr id="27" name="TextBox 26"/>
           <p:cNvSpPr txBox="1"/>
           <p:nvPr/>
         </p:nvSpPr>
         <p:spPr>
           <a:xfrm>
-            <a:off x="3550207" y="207378"/>
-            <a:ext cx="5870068" cy="461665"/>
+            <a:off x="390079" y="5218612"/>
+            <a:ext cx="869149" cy="338554"/>
           </a:xfrm>
           <a:prstGeom prst="rect">
             <a:avLst/>
@@ -8125,14 +8181,20 @@
           <a:lstStyle/>
           <a:p>
             <a:r>
-              <a:rPr lang="en-US" sz="2400" dirty="0" smtClean="0">
+              <a:rPr lang="en-US" sz="1600" smtClean="0">
+                <a:solidFill>
+                  <a:schemeClr val="bg1"/>
+                </a:solidFill>
                 <a:latin typeface="Helvetica" charset="0"/>
                 <a:ea typeface="Helvetica" charset="0"/>
                 <a:cs typeface="Helvetica" charset="0"/>
               </a:rPr>
-              <a:t>Plots of Different Variables Given Filters   </a:t>
+              <a:t>Gender</a:t>
             </a:r>
-            <a:endParaRPr lang="en-US" sz="2400" dirty="0">
+            <a:endParaRPr lang="en-US" dirty="0">
+              <a:solidFill>
+                <a:schemeClr val="bg1"/>
+              </a:solidFill>
               <a:latin typeface="Helvetica" charset="0"/>
               <a:ea typeface="Helvetica" charset="0"/>
               <a:cs typeface="Helvetica" charset="0"/>
